--- a/Engine_Project/Docs/Lab3/Part1-part3.pptx
+++ b/Engine_Project/Docs/Lab3/Part1-part3.pptx
@@ -221,7 +221,7 @@
               </a:rPr>
               <a:t>2019/10/29</a:t>
             </a:fld>
-            <a:endParaRPr lang="zh-CN" altLang="en-US">
+            <a:endParaRPr lang="zh-CN" altLang="en-US" smtClean="0">
               <a:latin typeface="微软雅黑" panose="020B0503020204020204" charset="-122"/>
               <a:ea typeface="微软雅黑" panose="020B0503020204020204" charset="-122"/>
             </a:endParaRPr>
@@ -296,7 +296,7 @@
               </a:rPr>
               <a:t>‹#›</a:t>
             </a:fld>
-            <a:endParaRPr lang="zh-CN" altLang="en-US">
+            <a:endParaRPr lang="zh-CN" altLang="en-US" smtClean="0">
               <a:latin typeface="微软雅黑" panose="020B0503020204020204" charset="-122"/>
               <a:ea typeface="微软雅黑" panose="020B0503020204020204" charset="-122"/>
             </a:endParaRPr>
@@ -4686,7 +4686,7 @@
           <a:lstStyle/>
           <a:p>
             <a:r>
-              <a:rPr lang="en-US" altLang="zh-CN" dirty="0"/>
+              <a:rPr lang="en-US" altLang="zh-CN"/>
               <a:t>Pathfinding</a:t>
             </a:r>
           </a:p>
@@ -4717,7 +4717,7 @@
           <a:lstStyle/>
           <a:p>
             <a:r>
-              <a:rPr lang="zh-CN" altLang="en-US" dirty="0"/>
+              <a:rPr lang="zh-CN" altLang="en-US"/>
               <a:t>Mesh Collider</a:t>
             </a:r>
           </a:p>
@@ -4748,7 +4748,7 @@
           <a:lstStyle/>
           <a:p>
             <a:r>
-              <a:rPr lang="zh-CN" altLang="en-US" dirty="0"/>
+              <a:rPr lang="zh-CN" altLang="en-US"/>
               <a:t>Rigidbody</a:t>
             </a:r>
           </a:p>
@@ -4903,7 +4903,7 @@
           <a:lstStyle/>
           <a:p>
             <a:r>
-              <a:rPr lang="zh-CN" altLang="en-US" dirty="0"/>
+              <a:rPr lang="zh-CN" altLang="en-US"/>
               <a:t>Mesh Renderer</a:t>
             </a:r>
           </a:p>
@@ -4917,7 +4917,7 @@
         </p:nvSpPr>
         <p:spPr>
           <a:xfrm>
-            <a:off x="3366135" y="3589655"/>
+            <a:off x="4204335" y="3580229"/>
             <a:ext cx="1266825" cy="368300"/>
           </a:xfrm>
           <a:prstGeom prst="rect">
@@ -4934,7 +4934,7 @@
           <a:lstStyle/>
           <a:p>
             <a:r>
-              <a:rPr lang="zh-CN" altLang="en-US"/>
+              <a:rPr lang="zh-CN" altLang="en-US" dirty="0"/>
               <a:t>Transform</a:t>
             </a:r>
           </a:p>
@@ -5071,7 +5071,7 @@
         <p:spPr>
           <a:xfrm>
             <a:off x="10150475" y="2528570"/>
-            <a:ext cx="2106930" cy="368300"/>
+            <a:ext cx="2134658" cy="646331"/>
           </a:xfrm>
           <a:prstGeom prst="rect">
             <a:avLst/>
@@ -5087,8 +5087,8 @@
           <a:lstStyle/>
           <a:p>
             <a:r>
-              <a:rPr lang="en-US" altLang="zh-CN" dirty="0" err="1"/>
-              <a:t>pickupComponent</a:t>
+              <a:rPr lang="en-US" altLang="zh-CN" dirty="0" smtClean="0"/>
+              <a:t>Pickup Component Interface</a:t>
             </a:r>
             <a:endParaRPr lang="en-US" altLang="zh-CN" dirty="0"/>
           </a:p>
@@ -5104,9 +5104,9 @@
           <p:nvPr/>
         </p:nvCxnSpPr>
         <p:spPr>
-          <a:xfrm flipH="1" flipV="1">
-            <a:off x="11203940" y="2896870"/>
-            <a:ext cx="635" cy="969645"/>
+          <a:xfrm flipV="1">
+            <a:off x="11204258" y="3174901"/>
+            <a:ext cx="13546" cy="691614"/>
           </a:xfrm>
           <a:prstGeom prst="line">
             <a:avLst/>
@@ -5135,8 +5135,8 @@
         </p:nvSpPr>
         <p:spPr>
           <a:xfrm>
-            <a:off x="6459855" y="1899285"/>
-            <a:ext cx="3141980" cy="368300"/>
+            <a:off x="6459854" y="1899285"/>
+            <a:ext cx="3268345" cy="369332"/>
           </a:xfrm>
           <a:prstGeom prst="rect">
             <a:avLst/>
@@ -5152,8 +5152,8 @@
           <a:lstStyle/>
           <a:p>
             <a:r>
-              <a:rPr lang="en-US" altLang="zh-CN" dirty="0" err="1"/>
-              <a:t>basicFunctionalComponents</a:t>
+              <a:rPr lang="en-US" altLang="zh-CN" dirty="0" smtClean="0"/>
+              <a:t>Basic Functional Components</a:t>
             </a:r>
             <a:endParaRPr lang="en-US" altLang="zh-CN" dirty="0"/>
           </a:p>
@@ -5167,7 +5167,7 @@
         </p:nvSpPr>
         <p:spPr>
           <a:xfrm>
-            <a:off x="694690" y="493874"/>
+            <a:off x="708025" y="467995"/>
             <a:ext cx="1026795" cy="368300"/>
           </a:xfrm>
           <a:prstGeom prst="rect">
@@ -5184,9 +5184,10 @@
           <a:lstStyle/>
           <a:p>
             <a:r>
-              <a:rPr lang="en-US" altLang="zh-CN" dirty="0"/>
+              <a:rPr lang="en-US" altLang="zh-CN" dirty="0" smtClean="0"/>
               <a:t>Actor</a:t>
             </a:r>
+            <a:endParaRPr lang="en-US" altLang="zh-CN" dirty="0"/>
           </a:p>
         </p:txBody>
       </p:sp>
@@ -5200,7 +5201,7 @@
         </p:nvCxnSpPr>
         <p:spPr>
           <a:xfrm flipV="1">
-            <a:off x="1721485" y="669134"/>
+            <a:off x="1734820" y="643255"/>
             <a:ext cx="2447290" cy="8890"/>
           </a:xfrm>
           <a:prstGeom prst="line">
@@ -5247,8 +5248,12 @@
           <a:lstStyle/>
           <a:p>
             <a:r>
-              <a:rPr lang="en-US" altLang="zh-CN" dirty="0" err="1"/>
-              <a:t>ActorComponent</a:t>
+              <a:rPr lang="en-US" altLang="zh-CN" dirty="0" smtClean="0"/>
+              <a:t>Actor </a:t>
+            </a:r>
+            <a:r>
+              <a:rPr lang="en-US" altLang="zh-CN" dirty="0" smtClean="0"/>
+              <a:t>Component</a:t>
             </a:r>
             <a:endParaRPr lang="en-US" altLang="zh-CN" dirty="0"/>
           </a:p>
@@ -5325,7 +5330,7 @@
         <p:spPr>
           <a:xfrm>
             <a:off x="4048125" y="4983480"/>
-            <a:ext cx="3222625" cy="368300"/>
+            <a:ext cx="3313430" cy="369332"/>
           </a:xfrm>
           <a:prstGeom prst="rect">
             <a:avLst/>
@@ -5341,8 +5346,8 @@
           <a:lstStyle/>
           <a:p>
             <a:r>
-              <a:rPr lang="en-US" altLang="zh-CN" dirty="0" err="1"/>
-              <a:t>PhysicsComponentsInterface</a:t>
+              <a:rPr lang="en-US" altLang="zh-CN" dirty="0" smtClean="0"/>
+              <a:t>Physics Components Interface</a:t>
             </a:r>
             <a:endParaRPr lang="en-US" altLang="zh-CN" dirty="0"/>
           </a:p>
@@ -5356,8 +5361,8 @@
         </p:nvSpPr>
         <p:spPr>
           <a:xfrm>
-            <a:off x="-154622" y="2038985"/>
-            <a:ext cx="1820545" cy="368300"/>
+            <a:off x="-167640" y="2045335"/>
+            <a:ext cx="1820545" cy="646331"/>
           </a:xfrm>
           <a:prstGeom prst="rect">
             <a:avLst/>
@@ -5373,8 +5378,8 @@
           <a:lstStyle/>
           <a:p>
             <a:r>
-              <a:rPr lang="en-US" altLang="zh-CN" dirty="0" err="1"/>
-              <a:t>AIComponents</a:t>
+              <a:rPr lang="en-US" altLang="zh-CN" dirty="0" smtClean="0"/>
+              <a:t>AI Components Interface</a:t>
             </a:r>
             <a:endParaRPr lang="en-US" altLang="zh-CN" dirty="0"/>
           </a:p>
@@ -5420,9 +5425,9 @@
           <p:nvPr/>
         </p:nvCxnSpPr>
         <p:spPr>
-          <a:xfrm flipV="1">
-            <a:off x="742950" y="2407285"/>
-            <a:ext cx="12701" cy="2043430"/>
+          <a:xfrm flipH="1" flipV="1">
+            <a:off x="742633" y="2691666"/>
+            <a:ext cx="317" cy="1759049"/>
           </a:xfrm>
           <a:prstGeom prst="line">
             <a:avLst/>
@@ -5481,7 +5486,7 @@
         </p:nvCxnSpPr>
         <p:spPr>
           <a:xfrm flipH="1">
-            <a:off x="3968115" y="3159125"/>
+            <a:off x="5227637" y="3166844"/>
             <a:ext cx="1270" cy="413385"/>
           </a:xfrm>
           <a:prstGeom prst="line">
@@ -5636,7 +5641,7 @@
         <p:spPr>
           <a:xfrm>
             <a:off x="3366135" y="2045335"/>
-            <a:ext cx="2089785" cy="368300"/>
+            <a:ext cx="2089785" cy="646331"/>
           </a:xfrm>
           <a:prstGeom prst="rect">
             <a:avLst/>
@@ -5652,9 +5657,10 @@
           <a:lstStyle/>
           <a:p>
             <a:r>
-              <a:rPr lang="en-US" altLang="zh-CN" dirty="0"/>
-              <a:t>Mesh</a:t>
-            </a:r>
+              <a:rPr lang="en-US" altLang="zh-CN" dirty="0" smtClean="0"/>
+              <a:t>Mesh Component Interface</a:t>
+            </a:r>
+            <a:endParaRPr lang="en-US" altLang="zh-CN" dirty="0"/>
           </a:p>
         </p:txBody>
       </p:sp>
@@ -5730,8 +5736,8 @@
         </p:nvCxnSpPr>
         <p:spPr>
           <a:xfrm>
-            <a:off x="4411345" y="2413635"/>
-            <a:ext cx="17145" cy="748665"/>
+            <a:off x="4411028" y="2691666"/>
+            <a:ext cx="17462" cy="470634"/>
           </a:xfrm>
           <a:prstGeom prst="line">
             <a:avLst/>
@@ -5760,8 +5766,8 @@
         </p:nvCxnSpPr>
         <p:spPr>
           <a:xfrm>
-            <a:off x="5228590" y="3124200"/>
-            <a:ext cx="32385" cy="1847850"/>
+            <a:off x="5768657" y="1444388"/>
+            <a:ext cx="69216" cy="3578363"/>
           </a:xfrm>
           <a:prstGeom prst="line">
             <a:avLst/>
@@ -5854,8 +5860,8 @@
         </p:nvCxnSpPr>
         <p:spPr>
           <a:xfrm>
-            <a:off x="726758" y="1422400"/>
-            <a:ext cx="29210" cy="616585"/>
+            <a:off x="713740" y="1428750"/>
+            <a:ext cx="28893" cy="616585"/>
           </a:xfrm>
           <a:prstGeom prst="line">
             <a:avLst/>
@@ -5886,8 +5892,8 @@
         </p:nvCxnSpPr>
         <p:spPr>
           <a:xfrm flipH="1">
-            <a:off x="4411345" y="1436370"/>
-            <a:ext cx="6350" cy="608965"/>
+            <a:off x="4411028" y="1436370"/>
+            <a:ext cx="6667" cy="608965"/>
           </a:xfrm>
           <a:prstGeom prst="line">
             <a:avLst/>
@@ -5917,9 +5923,9 @@
           <p:nvPr/>
         </p:nvCxnSpPr>
         <p:spPr>
-          <a:xfrm flipH="1">
-            <a:off x="8030845" y="1466850"/>
-            <a:ext cx="17145" cy="432435"/>
+          <a:xfrm>
+            <a:off x="8047991" y="1466850"/>
+            <a:ext cx="46036" cy="432435"/>
           </a:xfrm>
           <a:prstGeom prst="line">
             <a:avLst/>
@@ -5951,7 +5957,7 @@
         <p:spPr>
           <a:xfrm>
             <a:off x="11195685" y="1426845"/>
-            <a:ext cx="8255" cy="1101725"/>
+            <a:ext cx="22119" cy="1101725"/>
           </a:xfrm>
           <a:prstGeom prst="line">
             <a:avLst/>
@@ -5972,6 +5978,46 @@
           </a:fontRef>
         </p:style>
       </p:cxnSp>
+      <p:sp>
+        <p:nvSpPr>
+          <p:cNvPr id="44" name="文本框 11"/>
+          <p:cNvSpPr txBox="1"/>
+          <p:nvPr/>
+        </p:nvSpPr>
+        <p:spPr>
+          <a:xfrm>
+            <a:off x="4266565" y="953453"/>
+            <a:ext cx="3004185" cy="369332"/>
+          </a:xfrm>
+          <a:prstGeom prst="rect">
+            <a:avLst/>
+          </a:prstGeom>
+          <a:solidFill>
+            <a:srgbClr val="00B0F0"/>
+          </a:solidFill>
+        </p:spPr>
+        <p:txBody>
+          <a:bodyPr wrap="square" rtlCol="0">
+            <a:spAutoFit/>
+          </a:bodyPr>
+          <a:lstStyle/>
+          <a:p>
+            <a:r>
+              <a:rPr lang="en-US" altLang="zh-CN" dirty="0" smtClean="0"/>
+              <a:t>Actor </a:t>
+            </a:r>
+            <a:r>
+              <a:rPr lang="en-US" altLang="zh-CN" dirty="0" smtClean="0"/>
+              <a:t>Component </a:t>
+            </a:r>
+            <a:r>
+              <a:rPr lang="en-US" altLang="zh-CN" dirty="0" smtClean="0"/>
+              <a:t>Interface</a:t>
+            </a:r>
+            <a:endParaRPr lang="en-US" altLang="zh-CN" dirty="0"/>
+          </a:p>
+        </p:txBody>
+      </p:sp>
     </p:spTree>
     <p:custDataLst>
       <p:tags r:id="rId1"/>
@@ -6016,21 +6062,45 @@
           <a:lstStyle/>
           <a:p>
             <a:r>
+              <a:rPr lang="en-US" altLang="zh-CN" dirty="0"/>
+              <a:t>2. </a:t>
+            </a:r>
+            <a:r>
+              <a:rPr lang="zh-CN" altLang="en-US" dirty="0"/>
+              <a:t>What if we want to implement obstacle avoidance for the same enemy, what would we add, remove, or change? Explain what you would do.</a:t>
+            </a:r>
+          </a:p>
+          <a:p>
+            <a:endParaRPr lang="zh-CN" altLang="en-US" dirty="0"/>
+          </a:p>
+          <a:p>
+            <a:r>
+              <a:rPr lang="en-US" altLang="zh-CN" dirty="0"/>
+              <a:t>We could add a components name </a:t>
+            </a:r>
+            <a:r>
+              <a:rPr lang="zh-CN" altLang="en-US" dirty="0"/>
+              <a:t>obstacle avoidance</a:t>
+            </a:r>
+            <a:r>
+              <a:rPr lang="en-US" altLang="zh-CN" dirty="0" smtClean="0"/>
+              <a:t> </a:t>
+            </a:r>
+            <a:r>
+              <a:rPr lang="en-US" altLang="zh-CN" dirty="0"/>
+              <a:t>components</a:t>
+            </a:r>
+            <a:r>
               <a:rPr lang="en-US" altLang="zh-CN"/>
-              <a:t>2. </a:t>
-            </a:r>
-            <a:r>
-              <a:rPr lang="zh-CN" altLang="en-US"/>
-              <a:t>What if we want to implement obstacle avoidance for the same enemy, what would we add, remove, or change? Explain what you would do.</a:t>
-            </a:r>
-          </a:p>
-          <a:p>
-            <a:endParaRPr lang="zh-CN" altLang="en-US"/>
-          </a:p>
-          <a:p>
-            <a:r>
-              <a:rPr lang="en-US" altLang="zh-CN"/>
-              <a:t>We could add a components name agent's components, let enemy remember the whole map, and then we can remove the pathfinding.</a:t>
+              <a:t>, </a:t>
+            </a:r>
+            <a:r>
+              <a:rPr lang="en-US" altLang="zh-CN" smtClean="0"/>
+              <a:t>then </a:t>
+            </a:r>
+            <a:r>
+              <a:rPr lang="en-US" altLang="zh-CN" dirty="0"/>
+              <a:t>we can remove the pathfinding.</a:t>
             </a:r>
           </a:p>
         </p:txBody>
